--- a/eacl2017/slides/final-words.pptx
+++ b/eacl2017/slides/final-words.pptx
@@ -20268,6 +20268,162 @@
           <a:lstStyle/>
           <a:p>
             <a:endParaRPr lang="en-US"/>
+          </a:p>
+        </p:txBody>
+      </p:sp>
+      <p:sp>
+        <p:nvSpPr>
+          <p:cNvPr id="4" name="Footer Placeholder 4"/>
+          <p:cNvSpPr txBox="1">
+            <a:spLocks/>
+          </p:cNvSpPr>
+          <p:nvPr/>
+        </p:nvSpPr>
+        <p:spPr>
+          <a:xfrm>
+            <a:off x="457200" y="6356351"/>
+            <a:ext cx="7315200" cy="365125"/>
+          </a:xfrm>
+          <a:prstGeom prst="rect">
+            <a:avLst/>
+          </a:prstGeom>
+        </p:spPr>
+        <p:txBody>
+          <a:bodyPr/>
+          <a:lstStyle>
+            <a:defPPr>
+              <a:defRPr lang="en-US"/>
+            </a:defPPr>
+            <a:lvl1pPr algn="l" rtl="0" fontAlgn="base">
+              <a:spcBef>
+                <a:spcPct val="0"/>
+              </a:spcBef>
+              <a:spcAft>
+                <a:spcPct val="0"/>
+              </a:spcAft>
+              <a:defRPr kern="1200">
+                <a:solidFill>
+                  <a:schemeClr val="tx1"/>
+                </a:solidFill>
+                <a:latin typeface="Arial" pitchFamily="34" charset="0"/>
+                <a:ea typeface="+mn-ea"/>
+                <a:cs typeface="Arial" pitchFamily="34" charset="0"/>
+              </a:defRPr>
+            </a:lvl1pPr>
+            <a:lvl2pPr marL="457200" algn="l" rtl="0" fontAlgn="base">
+              <a:spcBef>
+                <a:spcPct val="0"/>
+              </a:spcBef>
+              <a:spcAft>
+                <a:spcPct val="0"/>
+              </a:spcAft>
+              <a:defRPr kern="1200">
+                <a:solidFill>
+                  <a:schemeClr val="tx1"/>
+                </a:solidFill>
+                <a:latin typeface="Arial" pitchFamily="34" charset="0"/>
+                <a:ea typeface="+mn-ea"/>
+                <a:cs typeface="Arial" pitchFamily="34" charset="0"/>
+              </a:defRPr>
+            </a:lvl2pPr>
+            <a:lvl3pPr marL="914400" algn="l" rtl="0" fontAlgn="base">
+              <a:spcBef>
+                <a:spcPct val="0"/>
+              </a:spcBef>
+              <a:spcAft>
+                <a:spcPct val="0"/>
+              </a:spcAft>
+              <a:defRPr kern="1200">
+                <a:solidFill>
+                  <a:schemeClr val="tx1"/>
+                </a:solidFill>
+                <a:latin typeface="Arial" pitchFamily="34" charset="0"/>
+                <a:ea typeface="+mn-ea"/>
+                <a:cs typeface="Arial" pitchFamily="34" charset="0"/>
+              </a:defRPr>
+            </a:lvl3pPr>
+            <a:lvl4pPr marL="1371600" algn="l" rtl="0" fontAlgn="base">
+              <a:spcBef>
+                <a:spcPct val="0"/>
+              </a:spcBef>
+              <a:spcAft>
+                <a:spcPct val="0"/>
+              </a:spcAft>
+              <a:defRPr kern="1200">
+                <a:solidFill>
+                  <a:schemeClr val="tx1"/>
+                </a:solidFill>
+                <a:latin typeface="Arial" pitchFamily="34" charset="0"/>
+                <a:ea typeface="+mn-ea"/>
+                <a:cs typeface="Arial" pitchFamily="34" charset="0"/>
+              </a:defRPr>
+            </a:lvl4pPr>
+            <a:lvl5pPr marL="1828800" algn="l" rtl="0" fontAlgn="base">
+              <a:spcBef>
+                <a:spcPct val="0"/>
+              </a:spcBef>
+              <a:spcAft>
+                <a:spcPct val="0"/>
+              </a:spcAft>
+              <a:defRPr kern="1200">
+                <a:solidFill>
+                  <a:schemeClr val="tx1"/>
+                </a:solidFill>
+                <a:latin typeface="Arial" pitchFamily="34" charset="0"/>
+                <a:ea typeface="+mn-ea"/>
+                <a:cs typeface="Arial" pitchFamily="34" charset="0"/>
+              </a:defRPr>
+            </a:lvl5pPr>
+            <a:lvl6pPr marL="2286000" algn="l" defTabSz="914400" rtl="0" eaLnBrk="1" latinLnBrk="0" hangingPunct="1">
+              <a:defRPr kern="1200">
+                <a:solidFill>
+                  <a:schemeClr val="tx1"/>
+                </a:solidFill>
+                <a:latin typeface="Arial" pitchFamily="34" charset="0"/>
+                <a:ea typeface="+mn-ea"/>
+                <a:cs typeface="Arial" pitchFamily="34" charset="0"/>
+              </a:defRPr>
+            </a:lvl6pPr>
+            <a:lvl7pPr marL="2743200" algn="l" defTabSz="914400" rtl="0" eaLnBrk="1" latinLnBrk="0" hangingPunct="1">
+              <a:defRPr kern="1200">
+                <a:solidFill>
+                  <a:schemeClr val="tx1"/>
+                </a:solidFill>
+                <a:latin typeface="Arial" pitchFamily="34" charset="0"/>
+                <a:ea typeface="+mn-ea"/>
+                <a:cs typeface="Arial" pitchFamily="34" charset="0"/>
+              </a:defRPr>
+            </a:lvl7pPr>
+            <a:lvl8pPr marL="3200400" algn="l" defTabSz="914400" rtl="0" eaLnBrk="1" latinLnBrk="0" hangingPunct="1">
+              <a:defRPr kern="1200">
+                <a:solidFill>
+                  <a:schemeClr val="tx1"/>
+                </a:solidFill>
+                <a:latin typeface="Arial" pitchFamily="34" charset="0"/>
+                <a:ea typeface="+mn-ea"/>
+                <a:cs typeface="Arial" pitchFamily="34" charset="0"/>
+              </a:defRPr>
+            </a:lvl8pPr>
+            <a:lvl9pPr marL="3657600" algn="l" defTabSz="914400" rtl="0" eaLnBrk="1" latinLnBrk="0" hangingPunct="1">
+              <a:defRPr kern="1200">
+                <a:solidFill>
+                  <a:schemeClr val="tx1"/>
+                </a:solidFill>
+                <a:latin typeface="Arial" pitchFamily="34" charset="0"/>
+                <a:ea typeface="+mn-ea"/>
+                <a:cs typeface="Arial" pitchFamily="34" charset="0"/>
+              </a:defRPr>
+            </a:lvl9pPr>
+          </a:lstStyle>
+          <a:p>
+            <a:pPr>
+              <a:defRPr/>
+            </a:pPr>
+            <a:r>
+              <a:rPr lang="en-US" smtClean="0"/>
+              <a:t>Roth &amp; Srikumar: ILP formulations in Natural Language Processing</a:t>
+            </a:r>
+            <a:endParaRPr lang="en-US" altLang="zh-TW" dirty="0"/>
           </a:p>
         </p:txBody>
       </p:sp>
@@ -24353,11 +24509,7 @@
             </a:r>
             <a:r>
               <a:rPr lang="en-US" dirty="0" smtClean="0"/>
-              <a:t>5: Constraints Driven </a:t>
-            </a:r>
-            <a:r>
-              <a:rPr lang="en-US" dirty="0" smtClean="0"/>
-              <a:t>Learning</a:t>
+              <a:t>5: Constraints Driven Learning</a:t>
             </a:r>
           </a:p>
           <a:p>
